--- a/240127/class__.pptx
+++ b/240127/class__.pptx
@@ -7,6 +7,7 @@
   <p:sldIdLst>
     <p:sldId id="257" r:id="rId2"/>
     <p:sldId id="258" r:id="rId3"/>
+    <p:sldId id="259" r:id="rId4"/>
   </p:sldIdLst>
   <p:sldSz cx="12192000" cy="6858000"/>
   <p:notesSz cx="6858000" cy="9144000"/>
@@ -3807,6 +3808,1205 @@
 </p:sld>
 </file>
 
+<file path=ppt/slides/slide3.xml><?xml version="1.0" encoding="utf-8"?>
+<p:sld xmlns:a="http://schemas.openxmlformats.org/drawingml/2006/main" xmlns:r="http://schemas.openxmlformats.org/officeDocument/2006/relationships" xmlns:p="http://schemas.openxmlformats.org/presentationml/2006/main">
+  <p:cSld>
+    <p:spTree>
+      <p:nvGrpSpPr>
+        <p:cNvPr id="1" name=""/>
+        <p:cNvGrpSpPr/>
+        <p:nvPr/>
+      </p:nvGrpSpPr>
+      <p:grpSpPr>
+        <a:xfrm>
+          <a:off x="0" y="0"/>
+          <a:ext cx="0" cy="0"/>
+          <a:chOff x="0" y="0"/>
+          <a:chExt cx="0" cy="0"/>
+        </a:xfrm>
+      </p:grpSpPr>
+      <p:grpSp>
+        <p:nvGrpSpPr>
+          <p:cNvPr id="3" name="그룹 2"/>
+          <p:cNvGrpSpPr/>
+          <p:nvPr/>
+        </p:nvGrpSpPr>
+        <p:grpSpPr>
+          <a:xfrm>
+            <a:off x="236667" y="2312895"/>
+            <a:ext cx="5736542" cy="3743659"/>
+            <a:chOff x="1183341" y="624857"/>
+            <a:chExt cx="9886278" cy="5679124"/>
+          </a:xfrm>
+        </p:grpSpPr>
+        <p:sp>
+          <p:nvSpPr>
+            <p:cNvPr id="14" name="직사각형 13"/>
+            <p:cNvSpPr/>
+            <p:nvPr/>
+          </p:nvSpPr>
+          <p:spPr>
+            <a:xfrm>
+              <a:off x="1183341" y="1118795"/>
+              <a:ext cx="9886278" cy="5185186"/>
+            </a:xfrm>
+            <a:prstGeom prst="rect">
+              <a:avLst/>
+            </a:prstGeom>
+            <a:noFill/>
+            <a:ln>
+              <a:solidFill>
+                <a:srgbClr val="FF0000"/>
+              </a:solidFill>
+            </a:ln>
+          </p:spPr>
+          <p:style>
+            <a:lnRef idx="2">
+              <a:schemeClr val="accent1">
+                <a:shade val="50000"/>
+              </a:schemeClr>
+            </a:lnRef>
+            <a:fillRef idx="1">
+              <a:schemeClr val="accent1"/>
+            </a:fillRef>
+            <a:effectRef idx="0">
+              <a:schemeClr val="accent1"/>
+            </a:effectRef>
+            <a:fontRef idx="minor">
+              <a:schemeClr val="lt1"/>
+            </a:fontRef>
+          </p:style>
+          <p:txBody>
+            <a:bodyPr rtlCol="0" anchor="ctr"/>
+            <a:lstStyle/>
+            <a:p>
+              <a:pPr algn="ctr"/>
+              <a:endParaRPr lang="ko-KR" altLang="en-US" sz="1400"/>
+            </a:p>
+          </p:txBody>
+        </p:sp>
+        <p:sp>
+          <p:nvSpPr>
+            <p:cNvPr id="5" name="TextBox 4"/>
+            <p:cNvSpPr txBox="1"/>
+            <p:nvPr/>
+          </p:nvSpPr>
+          <p:spPr>
+            <a:xfrm>
+              <a:off x="1753496" y="624857"/>
+              <a:ext cx="8767483" cy="923330"/>
+            </a:xfrm>
+            <a:prstGeom prst="rect">
+              <a:avLst/>
+            </a:prstGeom>
+            <a:solidFill>
+              <a:schemeClr val="tx2"/>
+            </a:solidFill>
+          </p:spPr>
+          <p:style>
+            <a:lnRef idx="2">
+              <a:schemeClr val="accent1">
+                <a:shade val="50000"/>
+              </a:schemeClr>
+            </a:lnRef>
+            <a:fillRef idx="1">
+              <a:schemeClr val="accent1"/>
+            </a:fillRef>
+            <a:effectRef idx="0">
+              <a:schemeClr val="accent1"/>
+            </a:effectRef>
+            <a:fontRef idx="minor">
+              <a:schemeClr val="lt1"/>
+            </a:fontRef>
+          </p:style>
+          <p:txBody>
+            <a:bodyPr rot="0" spcFirstLastPara="0" vertOverflow="overflow" horzOverflow="overflow" vert="horz" wrap="square" lIns="91440" tIns="45720" rIns="91440" bIns="45720" numCol="1" spcCol="0" rtlCol="0" fromWordArt="0" anchor="ctr" anchorCtr="0" forceAA="0" compatLnSpc="1">
+              <a:prstTxWarp prst="textNoShape">
+                <a:avLst/>
+              </a:prstTxWarp>
+              <a:noAutofit/>
+            </a:bodyPr>
+            <a:lstStyle>
+              <a:defPPr>
+                <a:defRPr lang="ko-KR"/>
+              </a:defPPr>
+              <a:lvl1pPr algn="ctr">
+                <a:defRPr>
+                  <a:solidFill>
+                    <a:schemeClr val="lt1"/>
+                  </a:solidFill>
+                </a:defRPr>
+              </a:lvl1pPr>
+              <a:lvl2pPr>
+                <a:defRPr>
+                  <a:solidFill>
+                    <a:schemeClr val="lt1"/>
+                  </a:solidFill>
+                </a:defRPr>
+              </a:lvl2pPr>
+              <a:lvl3pPr>
+                <a:defRPr>
+                  <a:solidFill>
+                    <a:schemeClr val="lt1"/>
+                  </a:solidFill>
+                </a:defRPr>
+              </a:lvl3pPr>
+              <a:lvl4pPr>
+                <a:defRPr>
+                  <a:solidFill>
+                    <a:schemeClr val="lt1"/>
+                  </a:solidFill>
+                </a:defRPr>
+              </a:lvl4pPr>
+              <a:lvl5pPr>
+                <a:defRPr>
+                  <a:solidFill>
+                    <a:schemeClr val="lt1"/>
+                  </a:solidFill>
+                </a:defRPr>
+              </a:lvl5pPr>
+              <a:lvl6pPr>
+                <a:defRPr>
+                  <a:solidFill>
+                    <a:schemeClr val="lt1"/>
+                  </a:solidFill>
+                </a:defRPr>
+              </a:lvl6pPr>
+              <a:lvl7pPr>
+                <a:defRPr>
+                  <a:solidFill>
+                    <a:schemeClr val="lt1"/>
+                  </a:solidFill>
+                </a:defRPr>
+              </a:lvl7pPr>
+              <a:lvl8pPr>
+                <a:defRPr>
+                  <a:solidFill>
+                    <a:schemeClr val="lt1"/>
+                  </a:solidFill>
+                </a:defRPr>
+              </a:lvl8pPr>
+              <a:lvl9pPr>
+                <a:defRPr>
+                  <a:solidFill>
+                    <a:schemeClr val="lt1"/>
+                  </a:solidFill>
+                </a:defRPr>
+              </a:lvl9pPr>
+            </a:lstStyle>
+            <a:p>
+              <a:r>
+                <a:rPr lang="en-US" altLang="ko-KR" sz="1400" dirty="0" smtClean="0"/>
+                <a:t>Class-A</a:t>
+              </a:r>
+              <a:endParaRPr lang="en-US" altLang="ko-KR" sz="1400" dirty="0"/>
+            </a:p>
+            <a:p>
+              <a:r>
+                <a:rPr lang="en-US" altLang="ko-KR" sz="1400" dirty="0" err="1"/>
+                <a:t>User_list</a:t>
+              </a:r>
+              <a:endParaRPr lang="ko-KR" altLang="en-US" sz="1400" dirty="0"/>
+            </a:p>
+          </p:txBody>
+        </p:sp>
+        <p:sp>
+          <p:nvSpPr>
+            <p:cNvPr id="2" name="직사각형 1"/>
+            <p:cNvSpPr/>
+            <p:nvPr/>
+          </p:nvSpPr>
+          <p:spPr>
+            <a:xfrm>
+              <a:off x="2404334" y="2786231"/>
+              <a:ext cx="1990165" cy="3248809"/>
+            </a:xfrm>
+            <a:prstGeom prst="rect">
+              <a:avLst/>
+            </a:prstGeom>
+          </p:spPr>
+          <p:style>
+            <a:lnRef idx="2">
+              <a:schemeClr val="accent1">
+                <a:shade val="50000"/>
+              </a:schemeClr>
+            </a:lnRef>
+            <a:fillRef idx="1">
+              <a:schemeClr val="accent1"/>
+            </a:fillRef>
+            <a:effectRef idx="0">
+              <a:schemeClr val="accent1"/>
+            </a:effectRef>
+            <a:fontRef idx="minor">
+              <a:schemeClr val="lt1"/>
+            </a:fontRef>
+          </p:style>
+          <p:txBody>
+            <a:bodyPr rtlCol="0" anchor="ctr"/>
+            <a:lstStyle/>
+            <a:p>
+              <a:pPr algn="ctr"/>
+              <a:r>
+                <a:rPr lang="en-US" altLang="ko-KR" sz="1400" dirty="0" smtClean="0"/>
+                <a:t>User_1</a:t>
+              </a:r>
+            </a:p>
+            <a:p>
+              <a:pPr algn="ctr"/>
+              <a:endParaRPr lang="en-US" altLang="ko-KR" sz="1400" dirty="0"/>
+            </a:p>
+            <a:p>
+              <a:pPr algn="ctr"/>
+              <a:r>
+                <a:rPr lang="en-US" altLang="ko-KR" sz="1400" dirty="0" smtClean="0"/>
+                <a:t>Name</a:t>
+              </a:r>
+            </a:p>
+            <a:p>
+              <a:pPr algn="ctr"/>
+              <a:r>
+                <a:rPr lang="en-US" altLang="ko-KR" sz="1400" dirty="0" smtClean="0"/>
+                <a:t>Age</a:t>
+              </a:r>
+            </a:p>
+            <a:p>
+              <a:pPr algn="ctr"/>
+              <a:r>
+                <a:rPr lang="en-US" altLang="ko-KR" sz="1400" dirty="0" err="1" smtClean="0"/>
+                <a:t>User_list</a:t>
+              </a:r>
+              <a:endParaRPr lang="ko-KR" altLang="en-US" sz="1400" dirty="0"/>
+            </a:p>
+          </p:txBody>
+        </p:sp>
+        <p:sp>
+          <p:nvSpPr>
+            <p:cNvPr id="8" name="직사각형 7"/>
+            <p:cNvSpPr/>
+            <p:nvPr/>
+          </p:nvSpPr>
+          <p:spPr>
+            <a:xfrm>
+              <a:off x="5115262" y="2786231"/>
+              <a:ext cx="1990165" cy="3248809"/>
+            </a:xfrm>
+            <a:prstGeom prst="rect">
+              <a:avLst/>
+            </a:prstGeom>
+          </p:spPr>
+          <p:style>
+            <a:lnRef idx="2">
+              <a:schemeClr val="accent1">
+                <a:shade val="50000"/>
+              </a:schemeClr>
+            </a:lnRef>
+            <a:fillRef idx="1">
+              <a:schemeClr val="accent1"/>
+            </a:fillRef>
+            <a:effectRef idx="0">
+              <a:schemeClr val="accent1"/>
+            </a:effectRef>
+            <a:fontRef idx="minor">
+              <a:schemeClr val="lt1"/>
+            </a:fontRef>
+          </p:style>
+          <p:txBody>
+            <a:bodyPr rtlCol="0" anchor="ctr"/>
+            <a:lstStyle/>
+            <a:p>
+              <a:pPr algn="ctr"/>
+              <a:r>
+                <a:rPr lang="en-US" altLang="ko-KR" sz="1400" dirty="0" smtClean="0"/>
+                <a:t>User_2</a:t>
+              </a:r>
+            </a:p>
+            <a:p>
+              <a:pPr algn="ctr"/>
+              <a:endParaRPr lang="en-US" altLang="ko-KR" sz="1400" dirty="0"/>
+            </a:p>
+            <a:p>
+              <a:pPr algn="ctr"/>
+              <a:r>
+                <a:rPr lang="en-US" altLang="ko-KR" sz="1400" dirty="0" smtClean="0"/>
+                <a:t>Name</a:t>
+              </a:r>
+            </a:p>
+            <a:p>
+              <a:pPr algn="ctr"/>
+              <a:r>
+                <a:rPr lang="en-US" altLang="ko-KR" sz="1400" dirty="0" smtClean="0"/>
+                <a:t>Age</a:t>
+              </a:r>
+            </a:p>
+            <a:p>
+              <a:pPr algn="ctr"/>
+              <a:r>
+                <a:rPr lang="en-US" altLang="ko-KR" sz="1400" dirty="0" err="1" smtClean="0"/>
+                <a:t>User_list</a:t>
+              </a:r>
+              <a:endParaRPr lang="ko-KR" altLang="en-US" sz="1400" dirty="0"/>
+            </a:p>
+          </p:txBody>
+        </p:sp>
+        <p:sp>
+          <p:nvSpPr>
+            <p:cNvPr id="9" name="직사각형 8"/>
+            <p:cNvSpPr/>
+            <p:nvPr/>
+          </p:nvSpPr>
+          <p:spPr>
+            <a:xfrm>
+              <a:off x="7826190" y="2786231"/>
+              <a:ext cx="1990165" cy="3248809"/>
+            </a:xfrm>
+            <a:prstGeom prst="rect">
+              <a:avLst/>
+            </a:prstGeom>
+          </p:spPr>
+          <p:style>
+            <a:lnRef idx="2">
+              <a:schemeClr val="accent1">
+                <a:shade val="50000"/>
+              </a:schemeClr>
+            </a:lnRef>
+            <a:fillRef idx="1">
+              <a:schemeClr val="accent1"/>
+            </a:fillRef>
+            <a:effectRef idx="0">
+              <a:schemeClr val="accent1"/>
+            </a:effectRef>
+            <a:fontRef idx="minor">
+              <a:schemeClr val="lt1"/>
+            </a:fontRef>
+          </p:style>
+          <p:txBody>
+            <a:bodyPr rtlCol="0" anchor="ctr"/>
+            <a:lstStyle/>
+            <a:p>
+              <a:pPr algn="ctr"/>
+              <a:r>
+                <a:rPr lang="en-US" altLang="ko-KR" sz="1400" dirty="0" smtClean="0"/>
+                <a:t>User_3</a:t>
+              </a:r>
+            </a:p>
+            <a:p>
+              <a:pPr algn="ctr"/>
+              <a:endParaRPr lang="en-US" altLang="ko-KR" sz="1400" dirty="0"/>
+            </a:p>
+            <a:p>
+              <a:pPr algn="ctr"/>
+              <a:r>
+                <a:rPr lang="en-US" altLang="ko-KR" sz="1400" dirty="0" smtClean="0"/>
+                <a:t>Name</a:t>
+              </a:r>
+            </a:p>
+            <a:p>
+              <a:pPr algn="ctr"/>
+              <a:r>
+                <a:rPr lang="en-US" altLang="ko-KR" sz="1400" dirty="0" smtClean="0"/>
+                <a:t>Age</a:t>
+              </a:r>
+            </a:p>
+            <a:p>
+              <a:pPr algn="ctr"/>
+              <a:r>
+                <a:rPr lang="en-US" altLang="ko-KR" sz="1400" dirty="0" err="1" smtClean="0"/>
+                <a:t>User_list</a:t>
+              </a:r>
+              <a:endParaRPr lang="ko-KR" altLang="en-US" sz="1400" dirty="0"/>
+            </a:p>
+          </p:txBody>
+        </p:sp>
+        <p:cxnSp>
+          <p:nvCxnSpPr>
+            <p:cNvPr id="10" name="직선 화살표 연결선 9"/>
+            <p:cNvCxnSpPr>
+              <a:stCxn id="8" idx="0"/>
+              <a:endCxn id="5" idx="2"/>
+            </p:cNvCxnSpPr>
+            <p:nvPr/>
+          </p:nvCxnSpPr>
+          <p:spPr>
+            <a:xfrm flipV="1">
+              <a:off x="6110345" y="1548187"/>
+              <a:ext cx="26893" cy="1238044"/>
+            </a:xfrm>
+            <a:prstGeom prst="straightConnector1">
+              <a:avLst/>
+            </a:prstGeom>
+            <a:ln>
+              <a:solidFill>
+                <a:srgbClr val="FF0000"/>
+              </a:solidFill>
+              <a:tailEnd type="triangle"/>
+            </a:ln>
+          </p:spPr>
+          <p:style>
+            <a:lnRef idx="1">
+              <a:schemeClr val="accent1"/>
+            </a:lnRef>
+            <a:fillRef idx="0">
+              <a:schemeClr val="accent1"/>
+            </a:fillRef>
+            <a:effectRef idx="0">
+              <a:schemeClr val="accent1"/>
+            </a:effectRef>
+            <a:fontRef idx="minor">
+              <a:schemeClr val="tx1"/>
+            </a:fontRef>
+          </p:style>
+        </p:cxnSp>
+        <p:cxnSp>
+          <p:nvCxnSpPr>
+            <p:cNvPr id="12" name="직선 화살표 연결선 11"/>
+            <p:cNvCxnSpPr>
+              <a:endCxn id="5" idx="2"/>
+            </p:cNvCxnSpPr>
+            <p:nvPr/>
+          </p:nvCxnSpPr>
+          <p:spPr>
+            <a:xfrm flipV="1">
+              <a:off x="3463963" y="1548187"/>
+              <a:ext cx="2673275" cy="1238046"/>
+            </a:xfrm>
+            <a:prstGeom prst="straightConnector1">
+              <a:avLst/>
+            </a:prstGeom>
+            <a:ln>
+              <a:solidFill>
+                <a:srgbClr val="FF0000"/>
+              </a:solidFill>
+              <a:tailEnd type="triangle"/>
+            </a:ln>
+          </p:spPr>
+          <p:style>
+            <a:lnRef idx="1">
+              <a:schemeClr val="accent1"/>
+            </a:lnRef>
+            <a:fillRef idx="0">
+              <a:schemeClr val="accent1"/>
+            </a:fillRef>
+            <a:effectRef idx="0">
+              <a:schemeClr val="accent1"/>
+            </a:effectRef>
+            <a:fontRef idx="minor">
+              <a:schemeClr val="tx1"/>
+            </a:fontRef>
+          </p:style>
+        </p:cxnSp>
+        <p:cxnSp>
+          <p:nvCxnSpPr>
+            <p:cNvPr id="19" name="직선 화살표 연결선 18"/>
+            <p:cNvCxnSpPr>
+              <a:stCxn id="9" idx="0"/>
+              <a:endCxn id="5" idx="2"/>
+            </p:cNvCxnSpPr>
+            <p:nvPr/>
+          </p:nvCxnSpPr>
+          <p:spPr>
+            <a:xfrm flipH="1" flipV="1">
+              <a:off x="6137238" y="1548187"/>
+              <a:ext cx="2684035" cy="1238044"/>
+            </a:xfrm>
+            <a:prstGeom prst="straightConnector1">
+              <a:avLst/>
+            </a:prstGeom>
+            <a:ln>
+              <a:solidFill>
+                <a:srgbClr val="FF0000"/>
+              </a:solidFill>
+              <a:tailEnd type="triangle"/>
+            </a:ln>
+          </p:spPr>
+          <p:style>
+            <a:lnRef idx="1">
+              <a:schemeClr val="accent1"/>
+            </a:lnRef>
+            <a:fillRef idx="0">
+              <a:schemeClr val="accent1"/>
+            </a:fillRef>
+            <a:effectRef idx="0">
+              <a:schemeClr val="accent1"/>
+            </a:effectRef>
+            <a:fontRef idx="minor">
+              <a:schemeClr val="tx1"/>
+            </a:fontRef>
+          </p:style>
+        </p:cxnSp>
+        <p:sp>
+          <p:nvSpPr>
+            <p:cNvPr id="22" name="TextBox 21"/>
+            <p:cNvSpPr txBox="1"/>
+            <p:nvPr/>
+          </p:nvSpPr>
+          <p:spPr>
+            <a:xfrm>
+              <a:off x="8122024" y="1721224"/>
+              <a:ext cx="1387736" cy="926899"/>
+            </a:xfrm>
+            <a:prstGeom prst="rect">
+              <a:avLst/>
+            </a:prstGeom>
+            <a:noFill/>
+          </p:spPr>
+          <p:txBody>
+            <a:bodyPr wrap="square" rtlCol="0">
+              <a:spAutoFit/>
+            </a:bodyPr>
+            <a:lstStyle/>
+            <a:p>
+              <a:r>
+                <a:rPr lang="en-US" altLang="ko-KR" sz="1400" dirty="0" smtClean="0"/>
+                <a:t>function</a:t>
+              </a:r>
+              <a:endParaRPr lang="ko-KR" altLang="en-US" sz="1400" dirty="0"/>
+            </a:p>
+          </p:txBody>
+        </p:sp>
+      </p:grpSp>
+      <p:grpSp>
+        <p:nvGrpSpPr>
+          <p:cNvPr id="13" name="그룹 12"/>
+          <p:cNvGrpSpPr/>
+          <p:nvPr/>
+        </p:nvGrpSpPr>
+        <p:grpSpPr>
+          <a:xfrm>
+            <a:off x="6271707" y="2312895"/>
+            <a:ext cx="5637008" cy="3743659"/>
+            <a:chOff x="1183341" y="624857"/>
+            <a:chExt cx="9886278" cy="5679124"/>
+          </a:xfrm>
+        </p:grpSpPr>
+        <p:sp>
+          <p:nvSpPr>
+            <p:cNvPr id="15" name="직사각형 14"/>
+            <p:cNvSpPr/>
+            <p:nvPr/>
+          </p:nvSpPr>
+          <p:spPr>
+            <a:xfrm>
+              <a:off x="1183341" y="1118795"/>
+              <a:ext cx="9886278" cy="5185186"/>
+            </a:xfrm>
+            <a:prstGeom prst="rect">
+              <a:avLst/>
+            </a:prstGeom>
+            <a:noFill/>
+            <a:ln>
+              <a:solidFill>
+                <a:srgbClr val="FF0000"/>
+              </a:solidFill>
+            </a:ln>
+          </p:spPr>
+          <p:style>
+            <a:lnRef idx="2">
+              <a:schemeClr val="accent1">
+                <a:shade val="50000"/>
+              </a:schemeClr>
+            </a:lnRef>
+            <a:fillRef idx="1">
+              <a:schemeClr val="accent1"/>
+            </a:fillRef>
+            <a:effectRef idx="0">
+              <a:schemeClr val="accent1"/>
+            </a:effectRef>
+            <a:fontRef idx="minor">
+              <a:schemeClr val="lt1"/>
+            </a:fontRef>
+          </p:style>
+          <p:txBody>
+            <a:bodyPr rtlCol="0" anchor="ctr"/>
+            <a:lstStyle/>
+            <a:p>
+              <a:pPr algn="ctr"/>
+              <a:endParaRPr lang="ko-KR" altLang="en-US" sz="1400"/>
+            </a:p>
+          </p:txBody>
+        </p:sp>
+        <p:sp>
+          <p:nvSpPr>
+            <p:cNvPr id="16" name="TextBox 15"/>
+            <p:cNvSpPr txBox="1"/>
+            <p:nvPr/>
+          </p:nvSpPr>
+          <p:spPr>
+            <a:xfrm>
+              <a:off x="1753496" y="624857"/>
+              <a:ext cx="8767483" cy="923330"/>
+            </a:xfrm>
+            <a:prstGeom prst="rect">
+              <a:avLst/>
+            </a:prstGeom>
+            <a:solidFill>
+              <a:schemeClr val="tx2"/>
+            </a:solidFill>
+          </p:spPr>
+          <p:style>
+            <a:lnRef idx="2">
+              <a:schemeClr val="accent1">
+                <a:shade val="50000"/>
+              </a:schemeClr>
+            </a:lnRef>
+            <a:fillRef idx="1">
+              <a:schemeClr val="accent1"/>
+            </a:fillRef>
+            <a:effectRef idx="0">
+              <a:schemeClr val="accent1"/>
+            </a:effectRef>
+            <a:fontRef idx="minor">
+              <a:schemeClr val="lt1"/>
+            </a:fontRef>
+          </p:style>
+          <p:txBody>
+            <a:bodyPr rot="0" spcFirstLastPara="0" vertOverflow="overflow" horzOverflow="overflow" vert="horz" wrap="square" lIns="91440" tIns="45720" rIns="91440" bIns="45720" numCol="1" spcCol="0" rtlCol="0" fromWordArt="0" anchor="ctr" anchorCtr="0" forceAA="0" compatLnSpc="1">
+              <a:prstTxWarp prst="textNoShape">
+                <a:avLst/>
+              </a:prstTxWarp>
+              <a:noAutofit/>
+            </a:bodyPr>
+            <a:lstStyle>
+              <a:defPPr>
+                <a:defRPr lang="ko-KR"/>
+              </a:defPPr>
+              <a:lvl1pPr algn="ctr">
+                <a:defRPr>
+                  <a:solidFill>
+                    <a:schemeClr val="lt1"/>
+                  </a:solidFill>
+                </a:defRPr>
+              </a:lvl1pPr>
+              <a:lvl2pPr>
+                <a:defRPr>
+                  <a:solidFill>
+                    <a:schemeClr val="lt1"/>
+                  </a:solidFill>
+                </a:defRPr>
+              </a:lvl2pPr>
+              <a:lvl3pPr>
+                <a:defRPr>
+                  <a:solidFill>
+                    <a:schemeClr val="lt1"/>
+                  </a:solidFill>
+                </a:defRPr>
+              </a:lvl3pPr>
+              <a:lvl4pPr>
+                <a:defRPr>
+                  <a:solidFill>
+                    <a:schemeClr val="lt1"/>
+                  </a:solidFill>
+                </a:defRPr>
+              </a:lvl4pPr>
+              <a:lvl5pPr>
+                <a:defRPr>
+                  <a:solidFill>
+                    <a:schemeClr val="lt1"/>
+                  </a:solidFill>
+                </a:defRPr>
+              </a:lvl5pPr>
+              <a:lvl6pPr>
+                <a:defRPr>
+                  <a:solidFill>
+                    <a:schemeClr val="lt1"/>
+                  </a:solidFill>
+                </a:defRPr>
+              </a:lvl6pPr>
+              <a:lvl7pPr>
+                <a:defRPr>
+                  <a:solidFill>
+                    <a:schemeClr val="lt1"/>
+                  </a:solidFill>
+                </a:defRPr>
+              </a:lvl7pPr>
+              <a:lvl8pPr>
+                <a:defRPr>
+                  <a:solidFill>
+                    <a:schemeClr val="lt1"/>
+                  </a:solidFill>
+                </a:defRPr>
+              </a:lvl8pPr>
+              <a:lvl9pPr>
+                <a:defRPr>
+                  <a:solidFill>
+                    <a:schemeClr val="lt1"/>
+                  </a:solidFill>
+                </a:defRPr>
+              </a:lvl9pPr>
+            </a:lstStyle>
+            <a:p>
+              <a:r>
+                <a:rPr lang="en-US" altLang="ko-KR" sz="1400" dirty="0" smtClean="0"/>
+                <a:t>Class-B</a:t>
+              </a:r>
+              <a:endParaRPr lang="en-US" altLang="ko-KR" sz="1400" dirty="0"/>
+            </a:p>
+            <a:p>
+              <a:r>
+                <a:rPr lang="en-US" altLang="ko-KR" sz="1400" dirty="0" err="1"/>
+                <a:t>User_list</a:t>
+              </a:r>
+              <a:endParaRPr lang="ko-KR" altLang="en-US" sz="1400" dirty="0"/>
+            </a:p>
+          </p:txBody>
+        </p:sp>
+        <p:sp>
+          <p:nvSpPr>
+            <p:cNvPr id="17" name="직사각형 16"/>
+            <p:cNvSpPr/>
+            <p:nvPr/>
+          </p:nvSpPr>
+          <p:spPr>
+            <a:xfrm>
+              <a:off x="2404334" y="2786231"/>
+              <a:ext cx="1990165" cy="3248809"/>
+            </a:xfrm>
+            <a:prstGeom prst="rect">
+              <a:avLst/>
+            </a:prstGeom>
+          </p:spPr>
+          <p:style>
+            <a:lnRef idx="2">
+              <a:schemeClr val="accent1">
+                <a:shade val="50000"/>
+              </a:schemeClr>
+            </a:lnRef>
+            <a:fillRef idx="1">
+              <a:schemeClr val="accent1"/>
+            </a:fillRef>
+            <a:effectRef idx="0">
+              <a:schemeClr val="accent1"/>
+            </a:effectRef>
+            <a:fontRef idx="minor">
+              <a:schemeClr val="lt1"/>
+            </a:fontRef>
+          </p:style>
+          <p:txBody>
+            <a:bodyPr rtlCol="0" anchor="ctr"/>
+            <a:lstStyle/>
+            <a:p>
+              <a:pPr algn="ctr"/>
+              <a:r>
+                <a:rPr lang="en-US" altLang="ko-KR" sz="1400" dirty="0" smtClean="0"/>
+                <a:t>User_1</a:t>
+              </a:r>
+            </a:p>
+            <a:p>
+              <a:pPr algn="ctr"/>
+              <a:endParaRPr lang="en-US" altLang="ko-KR" sz="1400" dirty="0"/>
+            </a:p>
+            <a:p>
+              <a:pPr algn="ctr"/>
+              <a:r>
+                <a:rPr lang="en-US" altLang="ko-KR" sz="1400" dirty="0" smtClean="0"/>
+                <a:t>Name</a:t>
+              </a:r>
+            </a:p>
+            <a:p>
+              <a:pPr algn="ctr"/>
+              <a:r>
+                <a:rPr lang="en-US" altLang="ko-KR" sz="1400" dirty="0" smtClean="0"/>
+                <a:t>Age</a:t>
+              </a:r>
+            </a:p>
+            <a:p>
+              <a:pPr algn="ctr"/>
+              <a:r>
+                <a:rPr lang="en-US" altLang="ko-KR" sz="1400" dirty="0" err="1" smtClean="0"/>
+                <a:t>User_list</a:t>
+              </a:r>
+              <a:endParaRPr lang="ko-KR" altLang="en-US" sz="1400" dirty="0"/>
+            </a:p>
+          </p:txBody>
+        </p:sp>
+        <p:sp>
+          <p:nvSpPr>
+            <p:cNvPr id="18" name="직사각형 17"/>
+            <p:cNvSpPr/>
+            <p:nvPr/>
+          </p:nvSpPr>
+          <p:spPr>
+            <a:xfrm>
+              <a:off x="5115262" y="2786231"/>
+              <a:ext cx="1990165" cy="3248809"/>
+            </a:xfrm>
+            <a:prstGeom prst="rect">
+              <a:avLst/>
+            </a:prstGeom>
+          </p:spPr>
+          <p:style>
+            <a:lnRef idx="2">
+              <a:schemeClr val="accent1">
+                <a:shade val="50000"/>
+              </a:schemeClr>
+            </a:lnRef>
+            <a:fillRef idx="1">
+              <a:schemeClr val="accent1"/>
+            </a:fillRef>
+            <a:effectRef idx="0">
+              <a:schemeClr val="accent1"/>
+            </a:effectRef>
+            <a:fontRef idx="minor">
+              <a:schemeClr val="lt1"/>
+            </a:fontRef>
+          </p:style>
+          <p:txBody>
+            <a:bodyPr rtlCol="0" anchor="ctr"/>
+            <a:lstStyle/>
+            <a:p>
+              <a:pPr algn="ctr"/>
+              <a:r>
+                <a:rPr lang="en-US" altLang="ko-KR" sz="1400" dirty="0" smtClean="0"/>
+                <a:t>User_2</a:t>
+              </a:r>
+            </a:p>
+            <a:p>
+              <a:pPr algn="ctr"/>
+              <a:endParaRPr lang="en-US" altLang="ko-KR" sz="1400" dirty="0"/>
+            </a:p>
+            <a:p>
+              <a:pPr algn="ctr"/>
+              <a:r>
+                <a:rPr lang="en-US" altLang="ko-KR" sz="1400" dirty="0" smtClean="0"/>
+                <a:t>Name</a:t>
+              </a:r>
+            </a:p>
+            <a:p>
+              <a:pPr algn="ctr"/>
+              <a:r>
+                <a:rPr lang="en-US" altLang="ko-KR" sz="1400" dirty="0" smtClean="0"/>
+                <a:t>Age</a:t>
+              </a:r>
+            </a:p>
+            <a:p>
+              <a:pPr algn="ctr"/>
+              <a:r>
+                <a:rPr lang="en-US" altLang="ko-KR" sz="1400" dirty="0" err="1" smtClean="0"/>
+                <a:t>User_list</a:t>
+              </a:r>
+              <a:endParaRPr lang="ko-KR" altLang="en-US" sz="1400" dirty="0"/>
+            </a:p>
+          </p:txBody>
+        </p:sp>
+        <p:sp>
+          <p:nvSpPr>
+            <p:cNvPr id="20" name="직사각형 19"/>
+            <p:cNvSpPr/>
+            <p:nvPr/>
+          </p:nvSpPr>
+          <p:spPr>
+            <a:xfrm>
+              <a:off x="7826190" y="2786231"/>
+              <a:ext cx="1990165" cy="3248809"/>
+            </a:xfrm>
+            <a:prstGeom prst="rect">
+              <a:avLst/>
+            </a:prstGeom>
+          </p:spPr>
+          <p:style>
+            <a:lnRef idx="2">
+              <a:schemeClr val="accent1">
+                <a:shade val="50000"/>
+              </a:schemeClr>
+            </a:lnRef>
+            <a:fillRef idx="1">
+              <a:schemeClr val="accent1"/>
+            </a:fillRef>
+            <a:effectRef idx="0">
+              <a:schemeClr val="accent1"/>
+            </a:effectRef>
+            <a:fontRef idx="minor">
+              <a:schemeClr val="lt1"/>
+            </a:fontRef>
+          </p:style>
+          <p:txBody>
+            <a:bodyPr rtlCol="0" anchor="ctr"/>
+            <a:lstStyle/>
+            <a:p>
+              <a:pPr algn="ctr"/>
+              <a:r>
+                <a:rPr lang="en-US" altLang="ko-KR" sz="1400" dirty="0" smtClean="0"/>
+                <a:t>User_3</a:t>
+              </a:r>
+            </a:p>
+            <a:p>
+              <a:pPr algn="ctr"/>
+              <a:endParaRPr lang="en-US" altLang="ko-KR" sz="1400" dirty="0"/>
+            </a:p>
+            <a:p>
+              <a:pPr algn="ctr"/>
+              <a:r>
+                <a:rPr lang="en-US" altLang="ko-KR" sz="1400" dirty="0" smtClean="0"/>
+                <a:t>Name</a:t>
+              </a:r>
+            </a:p>
+            <a:p>
+              <a:pPr algn="ctr"/>
+              <a:r>
+                <a:rPr lang="en-US" altLang="ko-KR" sz="1400" dirty="0" smtClean="0"/>
+                <a:t>Age</a:t>
+              </a:r>
+            </a:p>
+            <a:p>
+              <a:pPr algn="ctr"/>
+              <a:r>
+                <a:rPr lang="en-US" altLang="ko-KR" sz="1400" dirty="0" err="1" smtClean="0"/>
+                <a:t>User_list</a:t>
+              </a:r>
+              <a:endParaRPr lang="ko-KR" altLang="en-US" sz="1400" dirty="0"/>
+            </a:p>
+          </p:txBody>
+        </p:sp>
+        <p:cxnSp>
+          <p:nvCxnSpPr>
+            <p:cNvPr id="21" name="직선 화살표 연결선 20"/>
+            <p:cNvCxnSpPr>
+              <a:stCxn id="18" idx="0"/>
+              <a:endCxn id="16" idx="2"/>
+            </p:cNvCxnSpPr>
+            <p:nvPr/>
+          </p:nvCxnSpPr>
+          <p:spPr>
+            <a:xfrm flipV="1">
+              <a:off x="6110345" y="1548187"/>
+              <a:ext cx="26893" cy="1238044"/>
+            </a:xfrm>
+            <a:prstGeom prst="straightConnector1">
+              <a:avLst/>
+            </a:prstGeom>
+            <a:ln>
+              <a:solidFill>
+                <a:srgbClr val="FF0000"/>
+              </a:solidFill>
+              <a:tailEnd type="triangle"/>
+            </a:ln>
+          </p:spPr>
+          <p:style>
+            <a:lnRef idx="1">
+              <a:schemeClr val="accent1"/>
+            </a:lnRef>
+            <a:fillRef idx="0">
+              <a:schemeClr val="accent1"/>
+            </a:fillRef>
+            <a:effectRef idx="0">
+              <a:schemeClr val="accent1"/>
+            </a:effectRef>
+            <a:fontRef idx="minor">
+              <a:schemeClr val="tx1"/>
+            </a:fontRef>
+          </p:style>
+        </p:cxnSp>
+        <p:cxnSp>
+          <p:nvCxnSpPr>
+            <p:cNvPr id="23" name="직선 화살표 연결선 22"/>
+            <p:cNvCxnSpPr>
+              <a:endCxn id="16" idx="2"/>
+            </p:cNvCxnSpPr>
+            <p:nvPr/>
+          </p:nvCxnSpPr>
+          <p:spPr>
+            <a:xfrm flipV="1">
+              <a:off x="3463963" y="1548187"/>
+              <a:ext cx="2673275" cy="1238046"/>
+            </a:xfrm>
+            <a:prstGeom prst="straightConnector1">
+              <a:avLst/>
+            </a:prstGeom>
+            <a:ln>
+              <a:solidFill>
+                <a:srgbClr val="FF0000"/>
+              </a:solidFill>
+              <a:tailEnd type="triangle"/>
+            </a:ln>
+          </p:spPr>
+          <p:style>
+            <a:lnRef idx="1">
+              <a:schemeClr val="accent1"/>
+            </a:lnRef>
+            <a:fillRef idx="0">
+              <a:schemeClr val="accent1"/>
+            </a:fillRef>
+            <a:effectRef idx="0">
+              <a:schemeClr val="accent1"/>
+            </a:effectRef>
+            <a:fontRef idx="minor">
+              <a:schemeClr val="tx1"/>
+            </a:fontRef>
+          </p:style>
+        </p:cxnSp>
+        <p:cxnSp>
+          <p:nvCxnSpPr>
+            <p:cNvPr id="24" name="직선 화살표 연결선 23"/>
+            <p:cNvCxnSpPr>
+              <a:stCxn id="20" idx="0"/>
+              <a:endCxn id="16" idx="2"/>
+            </p:cNvCxnSpPr>
+            <p:nvPr/>
+          </p:nvCxnSpPr>
+          <p:spPr>
+            <a:xfrm flipH="1" flipV="1">
+              <a:off x="6137238" y="1548187"/>
+              <a:ext cx="2684035" cy="1238044"/>
+            </a:xfrm>
+            <a:prstGeom prst="straightConnector1">
+              <a:avLst/>
+            </a:prstGeom>
+            <a:ln>
+              <a:solidFill>
+                <a:srgbClr val="FF0000"/>
+              </a:solidFill>
+              <a:tailEnd type="triangle"/>
+            </a:ln>
+          </p:spPr>
+          <p:style>
+            <a:lnRef idx="1">
+              <a:schemeClr val="accent1"/>
+            </a:lnRef>
+            <a:fillRef idx="0">
+              <a:schemeClr val="accent1"/>
+            </a:fillRef>
+            <a:effectRef idx="0">
+              <a:schemeClr val="accent1"/>
+            </a:effectRef>
+            <a:fontRef idx="minor">
+              <a:schemeClr val="tx1"/>
+            </a:fontRef>
+          </p:style>
+        </p:cxnSp>
+        <p:sp>
+          <p:nvSpPr>
+            <p:cNvPr id="25" name="TextBox 24"/>
+            <p:cNvSpPr txBox="1"/>
+            <p:nvPr/>
+          </p:nvSpPr>
+          <p:spPr>
+            <a:xfrm>
+              <a:off x="8122024" y="1721224"/>
+              <a:ext cx="1387736" cy="926899"/>
+            </a:xfrm>
+            <a:prstGeom prst="rect">
+              <a:avLst/>
+            </a:prstGeom>
+            <a:noFill/>
+          </p:spPr>
+          <p:txBody>
+            <a:bodyPr wrap="square" rtlCol="0">
+              <a:spAutoFit/>
+            </a:bodyPr>
+            <a:lstStyle/>
+            <a:p>
+              <a:r>
+                <a:rPr lang="en-US" altLang="ko-KR" sz="1400" dirty="0" smtClean="0"/>
+                <a:t>function</a:t>
+              </a:r>
+              <a:endParaRPr lang="ko-KR" altLang="en-US" sz="1400" dirty="0"/>
+            </a:p>
+          </p:txBody>
+        </p:sp>
+      </p:grpSp>
+      <p:sp>
+        <p:nvSpPr>
+          <p:cNvPr id="4" name="TextBox 3"/>
+          <p:cNvSpPr txBox="1"/>
+          <p:nvPr/>
+        </p:nvSpPr>
+        <p:spPr>
+          <a:xfrm>
+            <a:off x="4944231" y="785902"/>
+            <a:ext cx="2544286" cy="646331"/>
+          </a:xfrm>
+          <a:prstGeom prst="rect">
+            <a:avLst/>
+          </a:prstGeom>
+          <a:noFill/>
+        </p:spPr>
+        <p:txBody>
+          <a:bodyPr wrap="none" rtlCol="0">
+            <a:spAutoFit/>
+          </a:bodyPr>
+          <a:lstStyle/>
+          <a:p>
+            <a:r>
+              <a:rPr lang="ko-KR" altLang="en-US" dirty="0" smtClean="0"/>
+              <a:t>상속의 개념</a:t>
+            </a:r>
+            <a:endParaRPr lang="en-US" altLang="ko-KR" dirty="0" smtClean="0"/>
+          </a:p>
+          <a:p>
+            <a:r>
+              <a:rPr lang="en-US" altLang="ko-KR" dirty="0" smtClean="0"/>
+              <a:t>Class</a:t>
+            </a:r>
+            <a:r>
+              <a:rPr lang="ko-KR" altLang="en-US" dirty="0" smtClean="0"/>
+              <a:t>에서 </a:t>
+            </a:r>
+            <a:r>
+              <a:rPr lang="en-US" altLang="ko-KR" dirty="0" smtClean="0"/>
+              <a:t>Class</a:t>
+            </a:r>
+            <a:r>
+              <a:rPr lang="ko-KR" altLang="en-US" dirty="0" smtClean="0"/>
+              <a:t>로 상속</a:t>
+            </a:r>
+            <a:endParaRPr lang="ko-KR" altLang="en-US" dirty="0"/>
+          </a:p>
+        </p:txBody>
+      </p:sp>
+      <p:sp>
+        <p:nvSpPr>
+          <p:cNvPr id="26" name="TextBox 25"/>
+          <p:cNvSpPr txBox="1"/>
+          <p:nvPr/>
+        </p:nvSpPr>
+        <p:spPr>
+          <a:xfrm>
+            <a:off x="236667" y="173729"/>
+            <a:ext cx="3794629" cy="369332"/>
+          </a:xfrm>
+          <a:prstGeom prst="rect">
+            <a:avLst/>
+          </a:prstGeom>
+          <a:noFill/>
+        </p:spPr>
+        <p:txBody>
+          <a:bodyPr wrap="none" rtlCol="0">
+            <a:spAutoFit/>
+          </a:bodyPr>
+          <a:lstStyle/>
+          <a:p>
+            <a:r>
+              <a:rPr lang="ko-KR" altLang="en-US" dirty="0" smtClean="0"/>
+              <a:t>인도 사람들 </a:t>
+            </a:r>
+            <a:r>
+              <a:rPr lang="ko-KR" altLang="en-US" dirty="0" err="1" smtClean="0"/>
+              <a:t>유튜브</a:t>
+            </a:r>
+            <a:r>
+              <a:rPr lang="ko-KR" altLang="en-US" dirty="0" smtClean="0"/>
+              <a:t> 강의를 추천함</a:t>
+            </a:r>
+            <a:r>
+              <a:rPr lang="en-US" altLang="ko-KR" dirty="0" smtClean="0"/>
+              <a:t>.</a:t>
+            </a:r>
+            <a:endParaRPr lang="ko-KR" altLang="en-US" dirty="0"/>
+          </a:p>
+        </p:txBody>
+      </p:sp>
+    </p:spTree>
+    <p:extLst>
+      <p:ext uri="{BB962C8B-B14F-4D97-AF65-F5344CB8AC3E}">
+        <p14:creationId xmlns:p14="http://schemas.microsoft.com/office/powerpoint/2010/main" val="3520787130"/>
+      </p:ext>
+    </p:extLst>
+  </p:cSld>
+  <p:clrMapOvr>
+    <a:masterClrMapping/>
+  </p:clrMapOvr>
+</p:sld>
+</file>
+
 <file path=ppt/theme/theme1.xml><?xml version="1.0" encoding="utf-8"?>
 <a:theme xmlns:a="http://schemas.openxmlformats.org/drawingml/2006/main" name="Office 테마">
   <a:themeElements>

--- a/240127/class__.pptx
+++ b/240127/class__.pptx
@@ -8,6 +8,8 @@
     <p:sldId id="257" r:id="rId2"/>
     <p:sldId id="258" r:id="rId3"/>
     <p:sldId id="259" r:id="rId4"/>
+    <p:sldId id="260" r:id="rId5"/>
+    <p:sldId id="261" r:id="rId6"/>
   </p:sldIdLst>
   <p:sldSz cx="12192000" cy="6858000"/>
   <p:notesSz cx="6858000" cy="9144000"/>
@@ -5007,6 +5009,359 @@
 </p:sld>
 </file>
 
+<file path=ppt/slides/slide4.xml><?xml version="1.0" encoding="utf-8"?>
+<p:sld xmlns:a="http://schemas.openxmlformats.org/drawingml/2006/main" xmlns:r="http://schemas.openxmlformats.org/officeDocument/2006/relationships" xmlns:p="http://schemas.openxmlformats.org/presentationml/2006/main">
+  <p:cSld>
+    <p:spTree>
+      <p:nvGrpSpPr>
+        <p:cNvPr id="1" name=""/>
+        <p:cNvGrpSpPr/>
+        <p:nvPr/>
+      </p:nvGrpSpPr>
+      <p:grpSpPr>
+        <a:xfrm>
+          <a:off x="0" y="0"/>
+          <a:ext cx="0" cy="0"/>
+          <a:chOff x="0" y="0"/>
+          <a:chExt cx="0" cy="0"/>
+        </a:xfrm>
+      </p:grpSpPr>
+      <p:sp>
+        <p:nvSpPr>
+          <p:cNvPr id="26" name="TextBox 25"/>
+          <p:cNvSpPr txBox="1"/>
+          <p:nvPr/>
+        </p:nvSpPr>
+        <p:spPr>
+          <a:xfrm>
+            <a:off x="656215" y="926765"/>
+            <a:ext cx="4945585" cy="3139321"/>
+          </a:xfrm>
+          <a:prstGeom prst="rect">
+            <a:avLst/>
+          </a:prstGeom>
+          <a:noFill/>
+        </p:spPr>
+        <p:txBody>
+          <a:bodyPr wrap="none" rtlCol="0">
+            <a:spAutoFit/>
+          </a:bodyPr>
+          <a:lstStyle/>
+          <a:p>
+            <a:r>
+              <a:rPr lang="ko-KR" altLang="en-US" dirty="0" smtClean="0"/>
+              <a:t>모듈을 만들어준다</a:t>
+            </a:r>
+            <a:r>
+              <a:rPr lang="en-US" altLang="ko-KR" dirty="0" smtClean="0"/>
+              <a:t>.</a:t>
+            </a:r>
+          </a:p>
+          <a:p>
+            <a:endParaRPr lang="en-US" altLang="ko-KR" dirty="0" smtClean="0"/>
+          </a:p>
+          <a:p>
+            <a:r>
+              <a:rPr lang="ko-KR" altLang="en-US" dirty="0" smtClean="0"/>
+              <a:t>같은 폴더 내에 </a:t>
+            </a:r>
+            <a:r>
+              <a:rPr lang="en-US" altLang="ko-KR" dirty="0" smtClean="0"/>
+              <a:t>‘mod.py’</a:t>
+            </a:r>
+            <a:r>
+              <a:rPr lang="ko-KR" altLang="en-US" dirty="0" smtClean="0"/>
+              <a:t>라는 파일을 생성하고</a:t>
+            </a:r>
+            <a:endParaRPr lang="en-US" altLang="ko-KR" dirty="0" smtClean="0"/>
+          </a:p>
+          <a:p>
+            <a:r>
+              <a:rPr lang="ko-KR" altLang="en-US" dirty="0" smtClean="0"/>
+              <a:t>새로운 주피터 파일에서 명령어로</a:t>
+            </a:r>
+            <a:endParaRPr lang="en-US" altLang="ko-KR" dirty="0" smtClean="0"/>
+          </a:p>
+          <a:p>
+            <a:r>
+              <a:rPr lang="en-US" altLang="ko-KR" dirty="0" smtClean="0"/>
+              <a:t>import mod</a:t>
+            </a:r>
+          </a:p>
+          <a:p>
+            <a:r>
+              <a:rPr lang="ko-KR" altLang="en-US" dirty="0" smtClean="0"/>
+              <a:t>입력하면</a:t>
+            </a:r>
+            <a:endParaRPr lang="en-US" altLang="ko-KR" dirty="0" smtClean="0"/>
+          </a:p>
+          <a:p>
+            <a:r>
+              <a:rPr lang="ko-KR" altLang="en-US" dirty="0" smtClean="0"/>
+              <a:t>모듈이 생성된다</a:t>
+            </a:r>
+            <a:r>
+              <a:rPr lang="en-US" altLang="ko-KR" dirty="0" smtClean="0"/>
+              <a:t>.</a:t>
+            </a:r>
+          </a:p>
+          <a:p>
+            <a:endParaRPr lang="en-US" altLang="ko-KR" dirty="0"/>
+          </a:p>
+          <a:p>
+            <a:r>
+              <a:rPr lang="ko-KR" altLang="en-US" dirty="0" smtClean="0"/>
+              <a:t>모듈 사용법만 잘 알면</a:t>
+            </a:r>
+            <a:endParaRPr lang="en-US" altLang="ko-KR" dirty="0" smtClean="0"/>
+          </a:p>
+          <a:p>
+            <a:r>
+              <a:rPr lang="ko-KR" altLang="en-US" dirty="0" smtClean="0"/>
+              <a:t>먹고 사는 데 지장 없다</a:t>
+            </a:r>
+            <a:r>
+              <a:rPr lang="en-US" altLang="ko-KR" dirty="0" smtClean="0"/>
+              <a:t>.</a:t>
+            </a:r>
+          </a:p>
+          <a:p>
+            <a:endParaRPr lang="ko-KR" altLang="en-US" dirty="0"/>
+          </a:p>
+        </p:txBody>
+      </p:sp>
+    </p:spTree>
+    <p:extLst>
+      <p:ext uri="{BB962C8B-B14F-4D97-AF65-F5344CB8AC3E}">
+        <p14:creationId xmlns:p14="http://schemas.microsoft.com/office/powerpoint/2010/main" val="2787168859"/>
+      </p:ext>
+    </p:extLst>
+  </p:cSld>
+  <p:clrMapOvr>
+    <a:masterClrMapping/>
+  </p:clrMapOvr>
+</p:sld>
+</file>
+
+<file path=ppt/slides/slide5.xml><?xml version="1.0" encoding="utf-8"?>
+<p:sld xmlns:a="http://schemas.openxmlformats.org/drawingml/2006/main" xmlns:r="http://schemas.openxmlformats.org/officeDocument/2006/relationships" xmlns:p="http://schemas.openxmlformats.org/presentationml/2006/main">
+  <p:cSld>
+    <p:spTree>
+      <p:nvGrpSpPr>
+        <p:cNvPr id="1" name=""/>
+        <p:cNvGrpSpPr/>
+        <p:nvPr/>
+      </p:nvGrpSpPr>
+      <p:grpSpPr>
+        <a:xfrm>
+          <a:off x="0" y="0"/>
+          <a:ext cx="0" cy="0"/>
+          <a:chOff x="0" y="0"/>
+          <a:chExt cx="0" cy="0"/>
+        </a:xfrm>
+      </p:grpSpPr>
+      <p:sp>
+        <p:nvSpPr>
+          <p:cNvPr id="26" name="TextBox 25"/>
+          <p:cNvSpPr txBox="1"/>
+          <p:nvPr/>
+        </p:nvSpPr>
+        <p:spPr>
+          <a:xfrm>
+            <a:off x="5151290" y="6330438"/>
+            <a:ext cx="7040710" cy="646331"/>
+          </a:xfrm>
+          <a:prstGeom prst="rect">
+            <a:avLst/>
+          </a:prstGeom>
+          <a:noFill/>
+        </p:spPr>
+        <p:txBody>
+          <a:bodyPr wrap="none" rtlCol="0">
+            <a:spAutoFit/>
+          </a:bodyPr>
+          <a:lstStyle/>
+          <a:p>
+            <a:r>
+              <a:rPr lang="ko-KR" altLang="en-US" dirty="0" smtClean="0"/>
+              <a:t>아나콘다는 데이터 분석을 위한 라이브러리 죄다 설치해줘서 좋음</a:t>
+            </a:r>
+            <a:r>
+              <a:rPr lang="en-US" altLang="ko-KR" dirty="0" smtClean="0"/>
+              <a:t>.</a:t>
+            </a:r>
+          </a:p>
+          <a:p>
+            <a:endParaRPr lang="ko-KR" altLang="en-US" dirty="0"/>
+          </a:p>
+        </p:txBody>
+      </p:sp>
+      <p:pic>
+        <p:nvPicPr>
+          <p:cNvPr id="2" name="그림 1"/>
+          <p:cNvPicPr>
+            <a:picLocks noChangeAspect="1"/>
+          </p:cNvPicPr>
+          <p:nvPr/>
+        </p:nvPicPr>
+        <p:blipFill>
+          <a:blip r:embed="rId2"/>
+          <a:stretch>
+            <a:fillRect/>
+          </a:stretch>
+        </p:blipFill>
+        <p:spPr>
+          <a:xfrm>
+            <a:off x="0" y="0"/>
+            <a:ext cx="7684210" cy="5971370"/>
+          </a:xfrm>
+          <a:prstGeom prst="rect">
+            <a:avLst/>
+          </a:prstGeom>
+        </p:spPr>
+      </p:pic>
+      <p:sp>
+        <p:nvSpPr>
+          <p:cNvPr id="4" name="TextBox 3"/>
+          <p:cNvSpPr txBox="1"/>
+          <p:nvPr/>
+        </p:nvSpPr>
+        <p:spPr>
+          <a:xfrm>
+            <a:off x="7788536" y="510551"/>
+            <a:ext cx="3029751" cy="646331"/>
+          </a:xfrm>
+          <a:prstGeom prst="rect">
+            <a:avLst/>
+          </a:prstGeom>
+          <a:noFill/>
+        </p:spPr>
+        <p:txBody>
+          <a:bodyPr wrap="square" rtlCol="0">
+            <a:spAutoFit/>
+          </a:bodyPr>
+          <a:lstStyle/>
+          <a:p>
+            <a:r>
+              <a:rPr lang="ko-KR" altLang="en-US" dirty="0" smtClean="0"/>
+              <a:t>설치를 </a:t>
+            </a:r>
+            <a:r>
+              <a:rPr lang="ko-KR" altLang="en-US" dirty="0" err="1" smtClean="0"/>
+              <a:t>셋트로</a:t>
+            </a:r>
+            <a:r>
+              <a:rPr lang="ko-KR" altLang="en-US" dirty="0" smtClean="0"/>
+              <a:t> 같이 해줌</a:t>
+            </a:r>
+            <a:r>
+              <a:rPr lang="en-US" altLang="ko-KR" dirty="0" smtClean="0"/>
+              <a:t>. </a:t>
+            </a:r>
+            <a:r>
+              <a:rPr lang="ko-KR" altLang="en-US" dirty="0" err="1" smtClean="0"/>
+              <a:t>넘파이</a:t>
+            </a:r>
+            <a:r>
+              <a:rPr lang="ko-KR" altLang="en-US" dirty="0" smtClean="0"/>
+              <a:t> 별도 설치 필요</a:t>
+            </a:r>
+            <a:r>
+              <a:rPr lang="en-US" altLang="ko-KR" dirty="0" smtClean="0"/>
+              <a:t>X</a:t>
+            </a:r>
+          </a:p>
+        </p:txBody>
+      </p:sp>
+      <p:sp>
+        <p:nvSpPr>
+          <p:cNvPr id="5" name="TextBox 4"/>
+          <p:cNvSpPr txBox="1"/>
+          <p:nvPr/>
+        </p:nvSpPr>
+        <p:spPr>
+          <a:xfrm>
+            <a:off x="8014447" y="4659658"/>
+            <a:ext cx="3029751" cy="646331"/>
+          </a:xfrm>
+          <a:prstGeom prst="rect">
+            <a:avLst/>
+          </a:prstGeom>
+          <a:noFill/>
+          <a:ln>
+            <a:solidFill>
+              <a:schemeClr val="accent5"/>
+            </a:solidFill>
+          </a:ln>
+        </p:spPr>
+        <p:txBody>
+          <a:bodyPr wrap="square" rtlCol="0">
+            <a:spAutoFit/>
+          </a:bodyPr>
+          <a:lstStyle/>
+          <a:p>
+            <a:r>
+              <a:rPr lang="ko-KR" altLang="en-US" dirty="0" smtClean="0"/>
+              <a:t>최신버전 굳이 필요 없음</a:t>
+            </a:r>
+            <a:endParaRPr lang="en-US" altLang="ko-KR" dirty="0" smtClean="0"/>
+          </a:p>
+          <a:p>
+            <a:r>
+              <a:rPr lang="ko-KR" altLang="en-US" dirty="0" smtClean="0"/>
+              <a:t>안 돌아가는 코드도 많음</a:t>
+            </a:r>
+            <a:r>
+              <a:rPr lang="en-US" altLang="ko-KR" dirty="0" smtClean="0"/>
+              <a:t>.</a:t>
+            </a:r>
+            <a:endParaRPr lang="ko-KR" altLang="en-US" dirty="0"/>
+          </a:p>
+        </p:txBody>
+      </p:sp>
+      <p:cxnSp>
+        <p:nvCxnSpPr>
+          <p:cNvPr id="6" name="직선 연결선 5"/>
+          <p:cNvCxnSpPr/>
+          <p:nvPr/>
+        </p:nvCxnSpPr>
+        <p:spPr>
+          <a:xfrm>
+            <a:off x="3852863" y="4819426"/>
+            <a:ext cx="4161584" cy="0"/>
+          </a:xfrm>
+          <a:prstGeom prst="line">
+            <a:avLst/>
+          </a:prstGeom>
+        </p:spPr>
+        <p:style>
+          <a:lnRef idx="1">
+            <a:schemeClr val="accent1"/>
+          </a:lnRef>
+          <a:fillRef idx="0">
+            <a:schemeClr val="accent1"/>
+          </a:fillRef>
+          <a:effectRef idx="0">
+            <a:schemeClr val="accent1"/>
+          </a:effectRef>
+          <a:fontRef idx="minor">
+            <a:schemeClr val="tx1"/>
+          </a:fontRef>
+        </p:style>
+      </p:cxnSp>
+    </p:spTree>
+    <p:extLst>
+      <p:ext uri="{BB962C8B-B14F-4D97-AF65-F5344CB8AC3E}">
+        <p14:creationId xmlns:p14="http://schemas.microsoft.com/office/powerpoint/2010/main" val="2096862840"/>
+      </p:ext>
+    </p:extLst>
+  </p:cSld>
+  <p:clrMapOvr>
+    <a:masterClrMapping/>
+  </p:clrMapOvr>
+</p:sld>
+</file>
+
 <file path=ppt/theme/theme1.xml><?xml version="1.0" encoding="utf-8"?>
 <a:theme xmlns:a="http://schemas.openxmlformats.org/drawingml/2006/main" name="Office 테마">
   <a:themeElements>

--- a/240127/class__.pptx
+++ b/240127/class__.pptx
@@ -10,6 +10,7 @@
     <p:sldId id="259" r:id="rId4"/>
     <p:sldId id="260" r:id="rId5"/>
     <p:sldId id="261" r:id="rId6"/>
+    <p:sldId id="262" r:id="rId7"/>
   </p:sldIdLst>
   <p:sldSz cx="12192000" cy="6858000"/>
   <p:notesSz cx="6858000" cy="9144000"/>
@@ -5212,7 +5213,7 @@
         </p:blipFill>
         <p:spPr>
           <a:xfrm>
-            <a:off x="0" y="0"/>
+            <a:off x="520264" y="0"/>
             <a:ext cx="7684210" cy="5971370"/>
           </a:xfrm>
           <a:prstGeom prst="rect">
@@ -5228,7 +5229,7 @@
         </p:nvSpPr>
         <p:spPr>
           <a:xfrm>
-            <a:off x="7788536" y="510551"/>
+            <a:off x="8308800" y="510551"/>
             <a:ext cx="3029751" cy="646331"/>
           </a:xfrm>
           <a:prstGeom prst="rect">
@@ -5281,7 +5282,7 @@
         </p:nvSpPr>
         <p:spPr>
           <a:xfrm>
-            <a:off x="8014447" y="4659658"/>
+            <a:off x="8534711" y="4659658"/>
             <a:ext cx="3029751" cy="646331"/>
           </a:xfrm>
           <a:prstGeom prst="rect">
@@ -5327,7 +5328,7 @@
         </p:nvCxnSpPr>
         <p:spPr>
           <a:xfrm>
-            <a:off x="3852863" y="4819426"/>
+            <a:off x="4373127" y="4819426"/>
             <a:ext cx="4161584" cy="0"/>
           </a:xfrm>
           <a:prstGeom prst="line">
@@ -5353,6 +5354,60 @@
     <p:extLst>
       <p:ext uri="{BB962C8B-B14F-4D97-AF65-F5344CB8AC3E}">
         <p14:creationId xmlns:p14="http://schemas.microsoft.com/office/powerpoint/2010/main" val="2096862840"/>
+      </p:ext>
+    </p:extLst>
+  </p:cSld>
+  <p:clrMapOvr>
+    <a:masterClrMapping/>
+  </p:clrMapOvr>
+</p:sld>
+</file>
+
+<file path=ppt/slides/slide6.xml><?xml version="1.0" encoding="utf-8"?>
+<p:sld xmlns:a="http://schemas.openxmlformats.org/drawingml/2006/main" xmlns:r="http://schemas.openxmlformats.org/officeDocument/2006/relationships" xmlns:p="http://schemas.openxmlformats.org/presentationml/2006/main">
+  <p:cSld>
+    <p:spTree>
+      <p:nvGrpSpPr>
+        <p:cNvPr id="1" name=""/>
+        <p:cNvGrpSpPr/>
+        <p:nvPr/>
+      </p:nvGrpSpPr>
+      <p:grpSpPr>
+        <a:xfrm>
+          <a:off x="0" y="0"/>
+          <a:ext cx="0" cy="0"/>
+          <a:chOff x="0" y="0"/>
+          <a:chExt cx="0" cy="0"/>
+        </a:xfrm>
+      </p:grpSpPr>
+      <p:pic>
+        <p:nvPicPr>
+          <p:cNvPr id="3" name="그림 2"/>
+          <p:cNvPicPr>
+            <a:picLocks noChangeAspect="1"/>
+          </p:cNvPicPr>
+          <p:nvPr/>
+        </p:nvPicPr>
+        <p:blipFill>
+          <a:blip r:embed="rId2"/>
+          <a:stretch>
+            <a:fillRect/>
+          </a:stretch>
+        </p:blipFill>
+        <p:spPr>
+          <a:xfrm>
+            <a:off x="385670" y="508542"/>
+            <a:ext cx="9972675" cy="4657725"/>
+          </a:xfrm>
+          <a:prstGeom prst="rect">
+            <a:avLst/>
+          </a:prstGeom>
+        </p:spPr>
+      </p:pic>
+    </p:spTree>
+    <p:extLst>
+      <p:ext uri="{BB962C8B-B14F-4D97-AF65-F5344CB8AC3E}">
+        <p14:creationId xmlns:p14="http://schemas.microsoft.com/office/powerpoint/2010/main" val="3412437334"/>
       </p:ext>
     </p:extLst>
   </p:cSld>
